--- a/artifacts/arch/gen-ai-explorer.pptx
+++ b/artifacts/arch/gen-ai-explorer.pptx
@@ -5,19 +5,20 @@
     <p:sldMasterId id="2147483660" r:id="rId4"/>
   </p:sldMasterIdLst>
   <p:notesMasterIdLst>
-    <p:notesMasterId r:id="rId12"/>
+    <p:notesMasterId r:id="rId13"/>
   </p:notesMasterIdLst>
   <p:handoutMasterIdLst>
-    <p:handoutMasterId r:id="rId13"/>
+    <p:handoutMasterId r:id="rId14"/>
   </p:handoutMasterIdLst>
   <p:sldIdLst>
     <p:sldId id="256" r:id="rId5"/>
     <p:sldId id="271" r:id="rId6"/>
-    <p:sldId id="279" r:id="rId7"/>
-    <p:sldId id="281" r:id="rId8"/>
-    <p:sldId id="283" r:id="rId9"/>
-    <p:sldId id="284" r:id="rId10"/>
-    <p:sldId id="282" r:id="rId11"/>
+    <p:sldId id="285" r:id="rId7"/>
+    <p:sldId id="279" r:id="rId8"/>
+    <p:sldId id="281" r:id="rId9"/>
+    <p:sldId id="283" r:id="rId10"/>
+    <p:sldId id="284" r:id="rId11"/>
+    <p:sldId id="282" r:id="rId12"/>
   </p:sldIdLst>
   <p:sldSz cx="12192000" cy="6858000"/>
   <p:notesSz cx="6858000" cy="9144000"/>
@@ -127,6 +128,7 @@
         <p14:section name="Design, Morph, Annotate, Work Together, Tell Me" id="{B9B51309-D148-4332-87C2-07BE32FBCA3B}">
           <p14:sldIdLst>
             <p14:sldId id="271"/>
+            <p14:sldId id="285"/>
             <p14:sldId id="279"/>
             <p14:sldId id="281"/>
             <p14:sldId id="283"/>
@@ -840,7 +842,7 @@
           <a:p>
             <a:fld id="{DF61EA0F-A667-4B49-8422-0062BC55E249}" type="slidenum">
               <a:rPr lang="en-US" smtClean="0"/>
-              <a:t>7</a:t>
+              <a:t>8</a:t>
             </a:fld>
             <a:endParaRPr lang="en-US" dirty="0"/>
           </a:p>
@@ -2892,6 +2894,482 @@
   <p:cSld>
     <p:spTree>
       <p:nvGrpSpPr>
+        <p:cNvPr id="1" name="">
+          <a:extLst>
+            <a:ext uri="{FF2B5EF4-FFF2-40B4-BE49-F238E27FC236}">
+              <a16:creationId xmlns:a16="http://schemas.microsoft.com/office/drawing/2014/main" id="{6AD74DF4-CE32-2312-F735-6E00E1F6A945}"/>
+            </a:ext>
+          </a:extLst>
+        </p:cNvPr>
+        <p:cNvGrpSpPr/>
+        <p:nvPr/>
+      </p:nvGrpSpPr>
+      <p:grpSpPr>
+        <a:xfrm>
+          <a:off x="0" y="0"/>
+          <a:ext cx="0" cy="0"/>
+          <a:chOff x="0" y="0"/>
+          <a:chExt cx="0" cy="0"/>
+        </a:xfrm>
+      </p:grpSpPr>
+      <p:sp>
+        <p:nvSpPr>
+          <p:cNvPr id="8" name="Title 7">
+            <a:extLst>
+              <a:ext uri="{FF2B5EF4-FFF2-40B4-BE49-F238E27FC236}">
+                <a16:creationId xmlns:a16="http://schemas.microsoft.com/office/drawing/2014/main" id="{7E0D6986-C190-5DD0-825D-C0AB2F3CB929}"/>
+              </a:ext>
+            </a:extLst>
+          </p:cNvPr>
+          <p:cNvSpPr>
+            <a:spLocks noGrp="1"/>
+          </p:cNvSpPr>
+          <p:nvPr>
+            <p:ph type="title"/>
+          </p:nvPr>
+        </p:nvSpPr>
+        <p:spPr/>
+        <p:txBody>
+          <a:bodyPr>
+            <a:noAutofit/>
+          </a:bodyPr>
+          <a:lstStyle/>
+          <a:p>
+            <a:r>
+              <a:rPr lang="en-US" dirty="0">
+                <a:latin typeface="Segoe UI Light" panose="020B0502040204020203" pitchFamily="34" charset="0"/>
+                <a:cs typeface="Segoe UI Light" panose="020B0502040204020203" pitchFamily="34" charset="0"/>
+              </a:rPr>
+              <a:t>Technology Stack </a:t>
+            </a:r>
+          </a:p>
+        </p:txBody>
+      </p:sp>
+      <p:sp>
+        <p:nvSpPr>
+          <p:cNvPr id="38" name="Content Placeholder 17">
+            <a:extLst>
+              <a:ext uri="{FF2B5EF4-FFF2-40B4-BE49-F238E27FC236}">
+                <a16:creationId xmlns:a16="http://schemas.microsoft.com/office/drawing/2014/main" id="{E4D8C7D8-53C9-D209-6159-5A7F6D966A70}"/>
+              </a:ext>
+            </a:extLst>
+          </p:cNvPr>
+          <p:cNvSpPr txBox="1">
+            <a:spLocks/>
+          </p:cNvSpPr>
+          <p:nvPr/>
+        </p:nvSpPr>
+        <p:spPr>
+          <a:xfrm>
+            <a:off x="541610" y="1524707"/>
+            <a:ext cx="11429566" cy="4166965"/>
+          </a:xfrm>
+          <a:prstGeom prst="rect">
+            <a:avLst/>
+          </a:prstGeom>
+        </p:spPr>
+        <p:txBody>
+          <a:bodyPr vert="horz" lIns="91440" tIns="45720" rIns="91440" bIns="45720" rtlCol="0">
+            <a:normAutofit/>
+          </a:bodyPr>
+          <a:lstStyle>
+            <a:lvl1pPr marL="228600" indent="-228600" algn="l" defTabSz="914400" rtl="0" eaLnBrk="1" latinLnBrk="0" hangingPunct="1">
+              <a:lnSpc>
+                <a:spcPts val="1800"/>
+              </a:lnSpc>
+              <a:spcBef>
+                <a:spcPts val="1000"/>
+              </a:spcBef>
+              <a:spcAft>
+                <a:spcPts val="1000"/>
+              </a:spcAft>
+              <a:buFont typeface="Arial" panose="020B0604020202020204" pitchFamily="34" charset="0"/>
+              <a:buChar char="•"/>
+              <a:defRPr lang="en-US" sz="1200" kern="1200" smtClean="0">
+                <a:solidFill>
+                  <a:schemeClr val="tx1">
+                    <a:lumMod val="75000"/>
+                    <a:lumOff val="25000"/>
+                  </a:schemeClr>
+                </a:solidFill>
+                <a:latin typeface="+mn-lt"/>
+                <a:ea typeface="+mn-ea"/>
+                <a:cs typeface="+mn-cs"/>
+              </a:defRPr>
+            </a:lvl1pPr>
+            <a:lvl2pPr marL="685800" indent="-228600" algn="l" defTabSz="914400" rtl="0" eaLnBrk="1" latinLnBrk="0" hangingPunct="1">
+              <a:lnSpc>
+                <a:spcPts val="1800"/>
+              </a:lnSpc>
+              <a:spcBef>
+                <a:spcPts val="1000"/>
+              </a:spcBef>
+              <a:spcAft>
+                <a:spcPts val="1000"/>
+              </a:spcAft>
+              <a:buFont typeface="Arial" panose="020B0604020202020204" pitchFamily="34" charset="0"/>
+              <a:buChar char="•"/>
+              <a:defRPr lang="en-US" sz="1200" kern="1200" smtClean="0">
+                <a:solidFill>
+                  <a:schemeClr val="tx1">
+                    <a:lumMod val="75000"/>
+                    <a:lumOff val="25000"/>
+                  </a:schemeClr>
+                </a:solidFill>
+                <a:latin typeface="+mn-lt"/>
+                <a:ea typeface="+mn-ea"/>
+                <a:cs typeface="+mn-cs"/>
+              </a:defRPr>
+            </a:lvl2pPr>
+            <a:lvl3pPr marL="1143000" indent="-228600" algn="l" defTabSz="914400" rtl="0" eaLnBrk="1" latinLnBrk="0" hangingPunct="1">
+              <a:lnSpc>
+                <a:spcPts val="1800"/>
+              </a:lnSpc>
+              <a:spcBef>
+                <a:spcPts val="1000"/>
+              </a:spcBef>
+              <a:spcAft>
+                <a:spcPts val="1000"/>
+              </a:spcAft>
+              <a:buFont typeface="Arial" panose="020B0604020202020204" pitchFamily="34" charset="0"/>
+              <a:buChar char="•"/>
+              <a:defRPr lang="en-US" sz="1200" kern="1200" smtClean="0">
+                <a:solidFill>
+                  <a:schemeClr val="tx1">
+                    <a:lumMod val="75000"/>
+                    <a:lumOff val="25000"/>
+                  </a:schemeClr>
+                </a:solidFill>
+                <a:latin typeface="+mn-lt"/>
+                <a:ea typeface="+mn-ea"/>
+                <a:cs typeface="+mn-cs"/>
+              </a:defRPr>
+            </a:lvl3pPr>
+            <a:lvl4pPr marL="1600200" indent="-228600" algn="l" defTabSz="914400" rtl="0" eaLnBrk="1" latinLnBrk="0" hangingPunct="1">
+              <a:lnSpc>
+                <a:spcPts val="1800"/>
+              </a:lnSpc>
+              <a:spcBef>
+                <a:spcPts val="1000"/>
+              </a:spcBef>
+              <a:spcAft>
+                <a:spcPts val="1000"/>
+              </a:spcAft>
+              <a:buFont typeface="Arial" panose="020B0604020202020204" pitchFamily="34" charset="0"/>
+              <a:buChar char="•"/>
+              <a:defRPr lang="en-US" sz="1200" kern="1200" smtClean="0">
+                <a:solidFill>
+                  <a:schemeClr val="tx1">
+                    <a:lumMod val="75000"/>
+                    <a:lumOff val="25000"/>
+                  </a:schemeClr>
+                </a:solidFill>
+                <a:latin typeface="+mn-lt"/>
+                <a:ea typeface="+mn-ea"/>
+                <a:cs typeface="+mn-cs"/>
+              </a:defRPr>
+            </a:lvl4pPr>
+            <a:lvl5pPr marL="2057400" indent="-228600" algn="l" defTabSz="914400" rtl="0" eaLnBrk="1" latinLnBrk="0" hangingPunct="1">
+              <a:lnSpc>
+                <a:spcPts val="1800"/>
+              </a:lnSpc>
+              <a:spcBef>
+                <a:spcPts val="1000"/>
+              </a:spcBef>
+              <a:spcAft>
+                <a:spcPts val="1000"/>
+              </a:spcAft>
+              <a:buFont typeface="Arial" panose="020B0604020202020204" pitchFamily="34" charset="0"/>
+              <a:buChar char="•"/>
+              <a:defRPr lang="en-US" sz="1200" kern="1200">
+                <a:solidFill>
+                  <a:schemeClr val="tx1">
+                    <a:lumMod val="75000"/>
+                    <a:lumOff val="25000"/>
+                  </a:schemeClr>
+                </a:solidFill>
+                <a:latin typeface="+mn-lt"/>
+                <a:ea typeface="+mn-ea"/>
+                <a:cs typeface="+mn-cs"/>
+              </a:defRPr>
+            </a:lvl5pPr>
+            <a:lvl6pPr marL="2514600" indent="-228600" algn="l" defTabSz="914400" rtl="0" eaLnBrk="1" latinLnBrk="0" hangingPunct="1">
+              <a:lnSpc>
+                <a:spcPct val="90000"/>
+              </a:lnSpc>
+              <a:spcBef>
+                <a:spcPct val="30000"/>
+              </a:spcBef>
+              <a:buFont typeface="Arial" panose="020B0604020202020204" pitchFamily="34" charset="0"/>
+              <a:buChar char="•"/>
+              <a:defRPr sz="1800" kern="1200">
+                <a:solidFill>
+                  <a:schemeClr val="tx1"/>
+                </a:solidFill>
+                <a:latin typeface="+mn-lt"/>
+                <a:ea typeface="+mn-ea"/>
+                <a:cs typeface="+mn-cs"/>
+              </a:defRPr>
+            </a:lvl6pPr>
+            <a:lvl7pPr marL="2971800" indent="-228600" algn="l" defTabSz="914400" rtl="0" eaLnBrk="1" latinLnBrk="0" hangingPunct="1">
+              <a:lnSpc>
+                <a:spcPct val="90000"/>
+              </a:lnSpc>
+              <a:spcBef>
+                <a:spcPct val="30000"/>
+              </a:spcBef>
+              <a:buFont typeface="Arial" panose="020B0604020202020204" pitchFamily="34" charset="0"/>
+              <a:buChar char="•"/>
+              <a:defRPr sz="1800" kern="1200">
+                <a:solidFill>
+                  <a:schemeClr val="tx1"/>
+                </a:solidFill>
+                <a:latin typeface="+mn-lt"/>
+                <a:ea typeface="+mn-ea"/>
+                <a:cs typeface="+mn-cs"/>
+              </a:defRPr>
+            </a:lvl7pPr>
+            <a:lvl8pPr marL="3429000" indent="-228600" algn="l" defTabSz="914400" rtl="0" eaLnBrk="1" latinLnBrk="0" hangingPunct="1">
+              <a:lnSpc>
+                <a:spcPct val="90000"/>
+              </a:lnSpc>
+              <a:spcBef>
+                <a:spcPct val="30000"/>
+              </a:spcBef>
+              <a:buFont typeface="Arial" panose="020B0604020202020204" pitchFamily="34" charset="0"/>
+              <a:buChar char="•"/>
+              <a:defRPr sz="1800" kern="1200">
+                <a:solidFill>
+                  <a:schemeClr val="tx1"/>
+                </a:solidFill>
+                <a:latin typeface="+mn-lt"/>
+                <a:ea typeface="+mn-ea"/>
+                <a:cs typeface="+mn-cs"/>
+              </a:defRPr>
+            </a:lvl8pPr>
+            <a:lvl9pPr marL="3886200" indent="-228600" algn="l" defTabSz="914400" rtl="0" eaLnBrk="1" latinLnBrk="0" hangingPunct="1">
+              <a:lnSpc>
+                <a:spcPct val="90000"/>
+              </a:lnSpc>
+              <a:spcBef>
+                <a:spcPct val="30000"/>
+              </a:spcBef>
+              <a:buFont typeface="Arial" panose="020B0604020202020204" pitchFamily="34" charset="0"/>
+              <a:buChar char="•"/>
+              <a:defRPr sz="1800" kern="1200">
+                <a:solidFill>
+                  <a:schemeClr val="tx1"/>
+                </a:solidFill>
+                <a:latin typeface="+mn-lt"/>
+                <a:ea typeface="+mn-ea"/>
+                <a:cs typeface="+mn-cs"/>
+              </a:defRPr>
+            </a:lvl9pPr>
+          </a:lstStyle>
+          <a:p>
+            <a:pPr>
+              <a:spcAft>
+                <a:spcPts val="600"/>
+              </a:spcAft>
+              <a:defRPr/>
+            </a:pPr>
+            <a:r>
+              <a:rPr lang="en-US" b="0" i="0" dirty="0">
+                <a:solidFill>
+                  <a:srgbClr val="1F2328"/>
+                </a:solidFill>
+                <a:effectLst/>
+                <a:latin typeface="-apple-system"/>
+              </a:rPr>
+              <a:t>Python</a:t>
+            </a:r>
+          </a:p>
+          <a:p>
+            <a:pPr>
+              <a:spcAft>
+                <a:spcPts val="600"/>
+              </a:spcAft>
+              <a:defRPr/>
+            </a:pPr>
+            <a:r>
+              <a:rPr lang="en-US" dirty="0">
+                <a:solidFill>
+                  <a:srgbClr val="1F2328"/>
+                </a:solidFill>
+                <a:latin typeface="-apple-system"/>
+                <a:cs typeface="Segoe UI" panose="020B0502040204020203" pitchFamily="34" charset="0"/>
+              </a:rPr>
+              <a:t>Gemini LLM model</a:t>
+            </a:r>
+          </a:p>
+          <a:p>
+            <a:pPr>
+              <a:spcAft>
+                <a:spcPts val="600"/>
+              </a:spcAft>
+              <a:defRPr/>
+            </a:pPr>
+            <a:r>
+              <a:rPr lang="en-US" dirty="0">
+                <a:solidFill>
+                  <a:srgbClr val="1F2328"/>
+                </a:solidFill>
+                <a:latin typeface="-apple-system"/>
+                <a:cs typeface="Segoe UI" panose="020B0502040204020203" pitchFamily="34" charset="0"/>
+              </a:rPr>
+              <a:t>Python Libraries ( Panda, Flask APIs, Logging, </a:t>
+            </a:r>
+            <a:r>
+              <a:rPr lang="en-US" dirty="0" err="1">
+                <a:solidFill>
+                  <a:srgbClr val="1F2328"/>
+                </a:solidFill>
+                <a:latin typeface="-apple-system"/>
+                <a:cs typeface="Segoe UI" panose="020B0502040204020203" pitchFamily="34" charset="0"/>
+              </a:rPr>
+              <a:t>RapidFuzz</a:t>
+            </a:r>
+            <a:r>
+              <a:rPr lang="en-US" dirty="0">
+                <a:solidFill>
+                  <a:srgbClr val="1F2328"/>
+                </a:solidFill>
+                <a:latin typeface="-apple-system"/>
+                <a:cs typeface="Segoe UI" panose="020B0502040204020203" pitchFamily="34" charset="0"/>
+              </a:rPr>
+              <a:t>)</a:t>
+            </a:r>
+          </a:p>
+          <a:p>
+            <a:pPr>
+              <a:spcAft>
+                <a:spcPts val="600"/>
+              </a:spcAft>
+              <a:defRPr/>
+            </a:pPr>
+            <a:r>
+              <a:rPr lang="en-US" dirty="0" err="1">
+                <a:solidFill>
+                  <a:srgbClr val="1F2328"/>
+                </a:solidFill>
+                <a:latin typeface="-apple-system"/>
+                <a:cs typeface="Segoe UI" panose="020B0502040204020203" pitchFamily="34" charset="0"/>
+              </a:rPr>
+              <a:t>Jquery</a:t>
+            </a:r>
+            <a:r>
+              <a:rPr lang="en-US" dirty="0">
+                <a:solidFill>
+                  <a:srgbClr val="1F2328"/>
+                </a:solidFill>
+                <a:latin typeface="-apple-system"/>
+                <a:cs typeface="Segoe UI" panose="020B0502040204020203" pitchFamily="34" charset="0"/>
+              </a:rPr>
+              <a:t> </a:t>
+            </a:r>
+            <a:r>
+              <a:rPr lang="en-US" dirty="0" err="1">
+                <a:solidFill>
+                  <a:srgbClr val="1F2328"/>
+                </a:solidFill>
+                <a:latin typeface="-apple-system"/>
+                <a:cs typeface="Segoe UI" panose="020B0502040204020203" pitchFamily="34" charset="0"/>
+              </a:rPr>
+              <a:t>DataTable</a:t>
+            </a:r>
+            <a:endParaRPr lang="en-US" dirty="0">
+              <a:solidFill>
+                <a:srgbClr val="1F2328"/>
+              </a:solidFill>
+              <a:latin typeface="-apple-system"/>
+              <a:cs typeface="Segoe UI" panose="020B0502040204020203" pitchFamily="34" charset="0"/>
+            </a:endParaRPr>
+          </a:p>
+          <a:p>
+            <a:pPr>
+              <a:spcAft>
+                <a:spcPts val="600"/>
+              </a:spcAft>
+              <a:defRPr/>
+            </a:pPr>
+            <a:r>
+              <a:rPr lang="en-US" dirty="0">
+                <a:solidFill>
+                  <a:srgbClr val="1F2328"/>
+                </a:solidFill>
+                <a:latin typeface="-apple-system"/>
+                <a:cs typeface="Segoe UI" panose="020B0502040204020203" pitchFamily="34" charset="0"/>
+              </a:rPr>
+              <a:t>HTML,CSS </a:t>
+            </a:r>
+            <a:r>
+              <a:rPr lang="en-US" dirty="0" err="1">
+                <a:solidFill>
+                  <a:srgbClr val="1F2328"/>
+                </a:solidFill>
+                <a:latin typeface="-apple-system"/>
+                <a:cs typeface="Segoe UI" panose="020B0502040204020203" pitchFamily="34" charset="0"/>
+              </a:rPr>
+              <a:t>Bootstrep</a:t>
+            </a:r>
+            <a:endParaRPr lang="en-US" dirty="0">
+              <a:solidFill>
+                <a:srgbClr val="1F2328"/>
+              </a:solidFill>
+              <a:latin typeface="-apple-system"/>
+              <a:cs typeface="Segoe UI" panose="020B0502040204020203" pitchFamily="34" charset="0"/>
+            </a:endParaRPr>
+          </a:p>
+          <a:p>
+            <a:pPr>
+              <a:spcAft>
+                <a:spcPts val="600"/>
+              </a:spcAft>
+              <a:defRPr/>
+            </a:pPr>
+            <a:r>
+              <a:rPr lang="en-US">
+                <a:solidFill>
+                  <a:srgbClr val="1F2328"/>
+                </a:solidFill>
+                <a:latin typeface="-apple-system"/>
+                <a:cs typeface="Segoe UI" panose="020B0502040204020203" pitchFamily="34" charset="0"/>
+              </a:rPr>
+              <a:t>Test Cases </a:t>
+            </a:r>
+            <a:endParaRPr lang="en-US" dirty="0">
+              <a:latin typeface="Segoe UI" panose="020B0502040204020203" pitchFamily="34" charset="0"/>
+              <a:cs typeface="Segoe UI" panose="020B0502040204020203" pitchFamily="34" charset="0"/>
+            </a:endParaRPr>
+          </a:p>
+        </p:txBody>
+      </p:sp>
+    </p:spTree>
+    <p:extLst>
+      <p:ext uri="{BB962C8B-B14F-4D97-AF65-F5344CB8AC3E}">
+        <p14:creationId xmlns:p14="http://schemas.microsoft.com/office/powerpoint/2010/main" val="1995171006"/>
+      </p:ext>
+    </p:extLst>
+  </p:cSld>
+  <p:clrMapOvr>
+    <a:masterClrMapping/>
+  </p:clrMapOvr>
+  <mc:AlternateContent xmlns:mc="http://schemas.openxmlformats.org/markup-compatibility/2006">
+    <mc:Choice xmlns:p14="http://schemas.microsoft.com/office/powerpoint/2010/main" Requires="p14">
+      <p:transition p14:dur="10"/>
+    </mc:Choice>
+    <mc:Fallback>
+      <p:transition/>
+    </mc:Fallback>
+  </mc:AlternateContent>
+</p:sld>
+</file>
+
+<file path=ppt/slides/slide4.xml><?xml version="1.0" encoding="utf-8"?>
+<p:sld xmlns:a="http://schemas.openxmlformats.org/drawingml/2006/main" xmlns:r="http://schemas.openxmlformats.org/officeDocument/2006/relationships" xmlns:p="http://schemas.openxmlformats.org/presentationml/2006/main">
+  <p:cSld>
+    <p:spTree>
+      <p:nvGrpSpPr>
         <p:cNvPr id="1" name=""/>
         <p:cNvGrpSpPr/>
         <p:nvPr/>
@@ -4653,7 +5131,7 @@
 </p:sld>
 </file>
 
-<file path=ppt/slides/slide4.xml><?xml version="1.0" encoding="utf-8"?>
+<file path=ppt/slides/slide5.xml><?xml version="1.0" encoding="utf-8"?>
 <p:sld xmlns:a="http://schemas.openxmlformats.org/drawingml/2006/main" xmlns:r="http://schemas.openxmlformats.org/officeDocument/2006/relationships" xmlns:p="http://schemas.openxmlformats.org/presentationml/2006/main">
   <p:cSld>
     <p:spTree>
@@ -4903,7 +5381,7 @@
 </p:sld>
 </file>
 
-<file path=ppt/slides/slide5.xml><?xml version="1.0" encoding="utf-8"?>
+<file path=ppt/slides/slide6.xml><?xml version="1.0" encoding="utf-8"?>
 <p:sld xmlns:a="http://schemas.openxmlformats.org/drawingml/2006/main" xmlns:r="http://schemas.openxmlformats.org/officeDocument/2006/relationships" xmlns:p="http://schemas.openxmlformats.org/presentationml/2006/main">
   <p:cSld>
     <p:spTree>
@@ -5085,18 +5563,18 @@
   <p:clrMapOvr>
     <a:masterClrMapping/>
   </p:clrMapOvr>
-  <mc:AlternateContent xmlns:mc="http://schemas.openxmlformats.org/markup-compatibility/2006">
-    <mc:Choice xmlns:p14="http://schemas.microsoft.com/office/powerpoint/2010/main" Requires="p14">
+  <mc:AlternateContent xmlns:mc="http://schemas.openxmlformats.org/markup-compatibility/2006" xmlns:p14="http://schemas.microsoft.com/office/powerpoint/2010/main">
+    <mc:Choice Requires="p14">
       <p:transition p14:dur="10"/>
     </mc:Choice>
-    <mc:Fallback>
+    <mc:Fallback xmlns="">
       <p:transition/>
     </mc:Fallback>
   </mc:AlternateContent>
 </p:sld>
 </file>
 
-<file path=ppt/slides/slide6.xml><?xml version="1.0" encoding="utf-8"?>
+<file path=ppt/slides/slide7.xml><?xml version="1.0" encoding="utf-8"?>
 <p:sld xmlns:a="http://schemas.openxmlformats.org/drawingml/2006/main" xmlns:r="http://schemas.openxmlformats.org/officeDocument/2006/relationships" xmlns:p="http://schemas.openxmlformats.org/presentationml/2006/main">
   <p:cSld>
     <p:spTree>
@@ -5485,18 +5963,18 @@
   <p:clrMapOvr>
     <a:masterClrMapping/>
   </p:clrMapOvr>
-  <mc:AlternateContent xmlns:mc="http://schemas.openxmlformats.org/markup-compatibility/2006">
-    <mc:Choice xmlns:p14="http://schemas.microsoft.com/office/powerpoint/2010/main" Requires="p14">
+  <mc:AlternateContent xmlns:mc="http://schemas.openxmlformats.org/markup-compatibility/2006" xmlns:p14="http://schemas.microsoft.com/office/powerpoint/2010/main">
+    <mc:Choice Requires="p14">
       <p:transition p14:dur="10"/>
     </mc:Choice>
-    <mc:Fallback>
+    <mc:Fallback xmlns="">
       <p:transition/>
     </mc:Fallback>
   </mc:AlternateContent>
 </p:sld>
 </file>
 
-<file path=ppt/slides/slide7.xml><?xml version="1.0" encoding="utf-8"?>
+<file path=ppt/slides/slide8.xml><?xml version="1.0" encoding="utf-8"?>
 <p:sld xmlns:a="http://schemas.openxmlformats.org/drawingml/2006/main" xmlns:r="http://schemas.openxmlformats.org/officeDocument/2006/relationships" xmlns:p="http://schemas.openxmlformats.org/presentationml/2006/main">
   <p:cSld>
     <p:spTree>
@@ -6323,12 +6801,23 @@
 </file>
 
 <file path=customXml/item1.xml><?xml version="1.0" encoding="utf-8"?>
-<?mso-contentType ?>
-<FormTemplates xmlns="http://schemas.microsoft.com/sharepoint/v3/contenttype/forms">
-  <Display>DocumentLibraryForm</Display>
-  <Edit>DocumentLibraryForm</Edit>
-  <New>DocumentLibraryForm</New>
-</FormTemplates>
+<p:properties xmlns:p="http://schemas.microsoft.com/office/2006/metadata/properties" xmlns:xsi="http://www.w3.org/2001/XMLSchema-instance" xmlns:pc="http://schemas.microsoft.com/office/infopath/2007/PartnerControls">
+  <documentManagement>
+    <_ip_UnifiedCompliancePolicyUIAction xmlns="http://schemas.microsoft.com/sharepoint/v3" xsi:nil="true"/>
+    <Image xmlns="71af3243-3dd4-4a8d-8c0d-dd76da1f02a5">
+      <Url xsi:nil="true"/>
+      <Description xsi:nil="true"/>
+    </Image>
+    <Status xmlns="71af3243-3dd4-4a8d-8c0d-dd76da1f02a5">Not started</Status>
+    <Background xmlns="71af3243-3dd4-4a8d-8c0d-dd76da1f02a5">false</Background>
+    <_ip_UnifiedCompliancePolicyProperties xmlns="http://schemas.microsoft.com/sharepoint/v3" xsi:nil="true"/>
+    <ImageTagsTaxHTField xmlns="71af3243-3dd4-4a8d-8c0d-dd76da1f02a5">
+      <Terms xmlns="http://schemas.microsoft.com/office/infopath/2007/PartnerControls"/>
+    </ImageTagsTaxHTField>
+    <TaxCatchAll xmlns="230e9df3-be65-4c73-a93b-d1236ebd677e" xsi:nil="true"/>
+    <MediaServiceKeyPoints xmlns="71af3243-3dd4-4a8d-8c0d-dd76da1f02a5" xsi:nil="true"/>
+  </documentManagement>
+</p:properties>
 </file>
 
 <file path=customXml/item2.xml><?xml version="1.0" encoding="utf-8"?>
@@ -6638,29 +7127,22 @@
 </file>
 
 <file path=customXml/item3.xml><?xml version="1.0" encoding="utf-8"?>
-<p:properties xmlns:p="http://schemas.microsoft.com/office/2006/metadata/properties" xmlns:xsi="http://www.w3.org/2001/XMLSchema-instance" xmlns:pc="http://schemas.microsoft.com/office/infopath/2007/PartnerControls">
-  <documentManagement>
-    <_ip_UnifiedCompliancePolicyUIAction xmlns="http://schemas.microsoft.com/sharepoint/v3" xsi:nil="true"/>
-    <Image xmlns="71af3243-3dd4-4a8d-8c0d-dd76da1f02a5">
-      <Url xsi:nil="true"/>
-      <Description xsi:nil="true"/>
-    </Image>
-    <Status xmlns="71af3243-3dd4-4a8d-8c0d-dd76da1f02a5">Not started</Status>
-    <Background xmlns="71af3243-3dd4-4a8d-8c0d-dd76da1f02a5">false</Background>
-    <_ip_UnifiedCompliancePolicyProperties xmlns="http://schemas.microsoft.com/sharepoint/v3" xsi:nil="true"/>
-    <ImageTagsTaxHTField xmlns="71af3243-3dd4-4a8d-8c0d-dd76da1f02a5">
-      <Terms xmlns="http://schemas.microsoft.com/office/infopath/2007/PartnerControls"/>
-    </ImageTagsTaxHTField>
-    <TaxCatchAll xmlns="230e9df3-be65-4c73-a93b-d1236ebd677e" xsi:nil="true"/>
-    <MediaServiceKeyPoints xmlns="71af3243-3dd4-4a8d-8c0d-dd76da1f02a5" xsi:nil="true"/>
-  </documentManagement>
-</p:properties>
+<?mso-contentType ?>
+<FormTemplates xmlns="http://schemas.microsoft.com/sharepoint/v3/contenttype/forms">
+  <Display>DocumentLibraryForm</Display>
+  <Edit>DocumentLibraryForm</Edit>
+  <New>DocumentLibraryForm</New>
+</FormTemplates>
 </file>
 
 <file path=customXml/itemProps1.xml><?xml version="1.0" encoding="utf-8"?>
-<ds:datastoreItem xmlns:ds="http://schemas.openxmlformats.org/officeDocument/2006/customXml" ds:itemID="{5563EE24-83AF-4B4D-B45B-11D1ECD4364A}">
+<ds:datastoreItem xmlns:ds="http://schemas.openxmlformats.org/officeDocument/2006/customXml" ds:itemID="{5A3EE4EA-81C0-48D0-BEBD-A2EFD6B38B42}">
   <ds:schemaRefs>
-    <ds:schemaRef ds:uri="http://schemas.microsoft.com/sharepoint/v3/contenttype/forms"/>
+    <ds:schemaRef ds:uri="http://schemas.microsoft.com/office/2006/metadata/properties"/>
+    <ds:schemaRef ds:uri="http://schemas.microsoft.com/office/infopath/2007/PartnerControls"/>
+    <ds:schemaRef ds:uri="http://schemas.microsoft.com/sharepoint/v3"/>
+    <ds:schemaRef ds:uri="71af3243-3dd4-4a8d-8c0d-dd76da1f02a5"/>
+    <ds:schemaRef ds:uri="230e9df3-be65-4c73-a93b-d1236ebd677e"/>
   </ds:schemaRefs>
 </ds:datastoreItem>
 </file>
@@ -6687,13 +7169,9 @@
 </file>
 
 <file path=customXml/itemProps3.xml><?xml version="1.0" encoding="utf-8"?>
-<ds:datastoreItem xmlns:ds="http://schemas.openxmlformats.org/officeDocument/2006/customXml" ds:itemID="{5A3EE4EA-81C0-48D0-BEBD-A2EFD6B38B42}">
+<ds:datastoreItem xmlns:ds="http://schemas.openxmlformats.org/officeDocument/2006/customXml" ds:itemID="{5563EE24-83AF-4B4D-B45B-11D1ECD4364A}">
   <ds:schemaRefs>
-    <ds:schemaRef ds:uri="http://schemas.microsoft.com/office/2006/metadata/properties"/>
-    <ds:schemaRef ds:uri="http://schemas.microsoft.com/office/infopath/2007/PartnerControls"/>
-    <ds:schemaRef ds:uri="http://schemas.microsoft.com/sharepoint/v3"/>
-    <ds:schemaRef ds:uri="71af3243-3dd4-4a8d-8c0d-dd76da1f02a5"/>
-    <ds:schemaRef ds:uri="230e9df3-be65-4c73-a93b-d1236ebd677e"/>
+    <ds:schemaRef ds:uri="http://schemas.microsoft.com/sharepoint/v3/contenttype/forms"/>
   </ds:schemaRefs>
 </ds:datastoreItem>
 </file>